--- a/materials/slides/ch11.pptx
+++ b/materials/slides/ch11.pptx
@@ -5,7 +5,7 @@
     <p:sldMasterId id="2147483669" r:id="rId1"/>
   </p:sldMasterIdLst>
   <p:notesMasterIdLst>
-    <p:notesMasterId r:id="rId31"/>
+    <p:notesMasterId r:id="rId30"/>
   </p:notesMasterIdLst>
   <p:sldIdLst>
     <p:sldId id="351" r:id="rId2"/>
@@ -33,10 +33,9 @@
     <p:sldId id="682" r:id="rId24"/>
     <p:sldId id="683" r:id="rId25"/>
     <p:sldId id="684" r:id="rId26"/>
-    <p:sldId id="685" r:id="rId27"/>
-    <p:sldId id="686" r:id="rId28"/>
-    <p:sldId id="688" r:id="rId29"/>
-    <p:sldId id="262" r:id="rId30"/>
+    <p:sldId id="686" r:id="rId27"/>
+    <p:sldId id="688" r:id="rId28"/>
+    <p:sldId id="262" r:id="rId29"/>
   </p:sldIdLst>
   <p:sldSz cx="12192000" cy="6858000"/>
   <p:notesSz cx="6858000" cy="9144000"/>
@@ -137,7 +136,7 @@
   </p:defaultTextStyle>
   <p:extLst>
     <p:ext uri="{EFAFB233-063F-42B5-8137-9DF3F51BA10A}">
-      <p15:sldGuideLst xmlns:p15="http://schemas.microsoft.com/office/powerpoint/2012/main">
+      <p15:sldGuideLst xmlns:p15="http://schemas.microsoft.com/office/powerpoint/2012/main" xmlns="">
         <p15:guide id="1" orient="horz" pos="2160" userDrawn="1">
           <p15:clr>
             <a:srgbClr val="A4A3A4"/>
@@ -159,7 +158,7 @@
   <p:cmAuthor id="1" name="Eetze" initials="E" lastIdx="1" clrIdx="0">
     <p:extLst>
       <p:ext uri="{19B8F6BF-5375-455C-9EA6-DF929625EA0E}">
-        <p15:presenceInfo xmlns:p15="http://schemas.microsoft.com/office/powerpoint/2012/main" userId="Eetze" providerId="None"/>
+        <p15:presenceInfo xmlns:p15="http://schemas.microsoft.com/office/powerpoint/2012/main" xmlns="" userId="Eetze" providerId="None"/>
       </p:ext>
     </p:extLst>
   </p:cmAuthor>
@@ -7020,7 +7019,7 @@
           <a:p>
             <a:fld id="{A097A4FE-15A4-4468-9890-CEB24014ACB3}" type="datetimeFigureOut">
               <a:rPr lang="zh-CN" altLang="en-US" smtClean="0"/>
-              <a:t>2018/4/9</a:t>
+              <a:t>2018/11/13</a:t>
             </a:fld>
             <a:endParaRPr lang="zh-CN" altLang="en-US"/>
           </a:p>
@@ -7917,82 +7916,6 @@
           <a:bodyPr/>
           <a:lstStyle/>
           <a:p>
-            <a:r>
-              <a:rPr lang="en-US" altLang="zh-CN" dirty="0" smtClean="0"/>
-              <a:t>1</a:t>
-            </a:r>
-            <a:r>
-              <a:rPr lang="zh-CN" altLang="en-US" dirty="0" smtClean="0"/>
-              <a:t>、 普通广播：这种广播可以依次传递给各个处理器去处理</a:t>
-            </a:r>
-          </a:p>
-          <a:p>
-            <a:endParaRPr lang="zh-CN" altLang="en-US" dirty="0" smtClean="0"/>
-          </a:p>
-          <a:p>
-            <a:r>
-              <a:rPr lang="en-US" altLang="zh-CN" dirty="0" smtClean="0"/>
-              <a:t>2</a:t>
-            </a:r>
-            <a:r>
-              <a:rPr lang="zh-CN" altLang="en-US" dirty="0" smtClean="0"/>
-              <a:t>、 有序广播：这种广播在处理器端的处理顺序是按照处理器的不同优先级来区分的，高优先级的处理器会优先截获这个消息，并且可以将这个消息删除</a:t>
-            </a:r>
-          </a:p>
-          <a:p>
-            <a:endParaRPr lang="zh-CN" altLang="en-US" dirty="0" smtClean="0"/>
-          </a:p>
-          <a:p>
-            <a:r>
-              <a:rPr lang="en-US" altLang="zh-CN" dirty="0" smtClean="0"/>
-              <a:t>3</a:t>
-            </a:r>
-            <a:r>
-              <a:rPr lang="zh-CN" altLang="en-US" dirty="0" smtClean="0"/>
-              <a:t>、 粘性消息：粘性消息在发送后就一直存在于系统的消息容器里面，等待对应的处理器去处理，如果暂时没有处理器处理这个消息则一直在消息容器里面处于等待状态，粘性广播的</a:t>
-            </a:r>
-            <a:r>
-              <a:rPr lang="en-US" altLang="zh-CN" dirty="0" smtClean="0"/>
-              <a:t>Receiver</a:t>
-            </a:r>
-            <a:r>
-              <a:rPr lang="zh-CN" altLang="en-US" dirty="0" smtClean="0"/>
-              <a:t>如果被销毁，那么下次重建时会自动接收到消息数据。</a:t>
-            </a:r>
-          </a:p>
-          <a:p>
-            <a:endParaRPr lang="zh-CN" altLang="en-US" dirty="0" smtClean="0"/>
-          </a:p>
-          <a:p>
-            <a:r>
-              <a:rPr lang="zh-CN" altLang="en-US" dirty="0" smtClean="0"/>
-              <a:t>注意：普通广播和粘性消息不同被截获，而有序广播是可以被截获的。</a:t>
-            </a:r>
-          </a:p>
-          <a:p>
-            <a:endParaRPr lang="zh-CN" altLang="en-US" dirty="0" smtClean="0"/>
-          </a:p>
-          <a:p>
-            <a:r>
-              <a:rPr lang="zh-CN" altLang="en-US" dirty="0" smtClean="0"/>
-              <a:t>在</a:t>
-            </a:r>
-            <a:r>
-              <a:rPr lang="en-US" altLang="zh-CN" dirty="0" smtClean="0"/>
-              <a:t>Android</a:t>
-            </a:r>
-            <a:r>
-              <a:rPr lang="zh-CN" altLang="en-US" dirty="0" smtClean="0"/>
-              <a:t>系统粘性广播一般用来确保重要的状态改变后的信息被持久保存，并且能随时广播给新的广播接收器，比如电源的改变，因为耗电需要一个过程，前一个过程必须提前得到，否则可能遇到下次刚好接收到的广播后系统自动关机了，随之而来的是</a:t>
-            </a:r>
-            <a:r>
-              <a:rPr lang="en-US" altLang="zh-CN" dirty="0" smtClean="0"/>
-              <a:t>kill</a:t>
-            </a:r>
-            <a:r>
-              <a:rPr lang="zh-CN" altLang="en-US" dirty="0" smtClean="0"/>
-              <a:t>行为，所以对某些未处理完的任务来说，后果很严重。</a:t>
-            </a:r>
             <a:endParaRPr lang="zh-CN" altLang="en-US" dirty="0"/>
           </a:p>
         </p:txBody>
@@ -8015,90 +7938,6 @@
             <a:fld id="{67AFED13-18EC-4853-B935-6E23F2540B2D}" type="slidenum">
               <a:rPr lang="zh-CN" altLang="en-US" smtClean="0"/>
               <a:t>26</a:t>
-            </a:fld>
-            <a:endParaRPr lang="zh-CN" altLang="en-US"/>
-          </a:p>
-        </p:txBody>
-      </p:sp>
-    </p:spTree>
-    <p:extLst>
-      <p:ext uri="{BB962C8B-B14F-4D97-AF65-F5344CB8AC3E}">
-        <p14:creationId xmlns:p14="http://schemas.microsoft.com/office/powerpoint/2010/main" val="2524445294"/>
-      </p:ext>
-    </p:extLst>
-  </p:cSld>
-  <p:clrMapOvr>
-    <a:masterClrMapping/>
-  </p:clrMapOvr>
-</p:notes>
-</file>
-
-<file path=ppt/notesSlides/notesSlide15.xml><?xml version="1.0" encoding="utf-8"?>
-<p:notes xmlns:a="http://schemas.openxmlformats.org/drawingml/2006/main" xmlns:r="http://schemas.openxmlformats.org/officeDocument/2006/relationships" xmlns:p="http://schemas.openxmlformats.org/presentationml/2006/main">
-  <p:cSld>
-    <p:spTree>
-      <p:nvGrpSpPr>
-        <p:cNvPr id="1" name=""/>
-        <p:cNvGrpSpPr/>
-        <p:nvPr/>
-      </p:nvGrpSpPr>
-      <p:grpSpPr>
-        <a:xfrm>
-          <a:off x="0" y="0"/>
-          <a:ext cx="0" cy="0"/>
-          <a:chOff x="0" y="0"/>
-          <a:chExt cx="0" cy="0"/>
-        </a:xfrm>
-      </p:grpSpPr>
-      <p:sp>
-        <p:nvSpPr>
-          <p:cNvPr id="2" name="幻灯片图像占位符 1"/>
-          <p:cNvSpPr>
-            <a:spLocks noGrp="1" noRot="1" noChangeAspect="1"/>
-          </p:cNvSpPr>
-          <p:nvPr>
-            <p:ph type="sldImg"/>
-          </p:nvPr>
-        </p:nvSpPr>
-        <p:spPr/>
-      </p:sp>
-      <p:sp>
-        <p:nvSpPr>
-          <p:cNvPr id="3" name="备注占位符 2"/>
-          <p:cNvSpPr>
-            <a:spLocks noGrp="1"/>
-          </p:cNvSpPr>
-          <p:nvPr>
-            <p:ph type="body" idx="1"/>
-          </p:nvPr>
-        </p:nvSpPr>
-        <p:spPr/>
-        <p:txBody>
-          <a:bodyPr/>
-          <a:lstStyle/>
-          <a:p>
-            <a:endParaRPr lang="zh-CN" altLang="en-US" dirty="0"/>
-          </a:p>
-        </p:txBody>
-      </p:sp>
-      <p:sp>
-        <p:nvSpPr>
-          <p:cNvPr id="4" name="灯片编号占位符 3"/>
-          <p:cNvSpPr>
-            <a:spLocks noGrp="1"/>
-          </p:cNvSpPr>
-          <p:nvPr>
-            <p:ph type="sldNum" sz="quarter" idx="10"/>
-          </p:nvPr>
-        </p:nvSpPr>
-        <p:spPr/>
-        <p:txBody>
-          <a:bodyPr/>
-          <a:lstStyle/>
-          <a:p>
-            <a:fld id="{67AFED13-18EC-4853-B935-6E23F2540B2D}" type="slidenum">
-              <a:rPr lang="zh-CN" altLang="en-US" smtClean="0"/>
-              <a:t>27</a:t>
             </a:fld>
             <a:endParaRPr lang="zh-CN" altLang="en-US"/>
           </a:p>
@@ -10386,7 +10225,7 @@
           <a:p>
             <a:fld id="{530820CF-B880-4189-942D-D702A7CBA730}" type="datetimeFigureOut">
               <a:rPr lang="zh-CN" altLang="en-US" smtClean="0"/>
-              <a:t>2018/4/9</a:t>
+              <a:t>2018/11/13</a:t>
             </a:fld>
             <a:endParaRPr lang="zh-CN" altLang="en-US"/>
           </a:p>
@@ -10505,7 +10344,7 @@
           <a:p>
             <a:fld id="{530820CF-B880-4189-942D-D702A7CBA730}" type="datetimeFigureOut">
               <a:rPr lang="zh-CN" altLang="en-US" smtClean="0"/>
-              <a:t>2018/4/9</a:t>
+              <a:t>2018/11/13</a:t>
             </a:fld>
             <a:endParaRPr lang="zh-CN" altLang="en-US"/>
           </a:p>
@@ -10908,7 +10747,7 @@
           <a:p>
             <a:fld id="{530820CF-B880-4189-942D-D702A7CBA730}" type="datetimeFigureOut">
               <a:rPr lang="zh-CN" altLang="en-US" smtClean="0"/>
-              <a:t>2018/4/9</a:t>
+              <a:t>2018/11/13</a:t>
             </a:fld>
             <a:endParaRPr lang="zh-CN" altLang="en-US"/>
           </a:p>
@@ -12198,10 +12037,10 @@
                   </a:schemeClr>
                 </a:solidFill>
               </a:rPr>
-              <a:t>自定义</a:t>
-            </a:r>
-            <a:r>
-              <a:rPr lang="en-US" altLang="zh-CN" dirty="0" smtClean="0">
+              <a:t>自定义一个类继承</a:t>
+            </a:r>
+            <a:r>
+              <a:rPr lang="en-US" altLang="zh-CN" dirty="0" err="1" smtClean="0">
                 <a:solidFill>
                   <a:schemeClr val="tx1">
                     <a:lumMod val="85000"/>
@@ -12231,21 +12070,10 @@
                   </a:schemeClr>
                 </a:solidFill>
               </a:rPr>
-              <a:t>onReceive</a:t>
-            </a:r>
-            <a:r>
-              <a:rPr lang="en-US" altLang="zh-CN" smtClean="0">
-                <a:solidFill>
-                  <a:schemeClr val="tx1">
-                    <a:lumMod val="85000"/>
-                    <a:lumOff val="15000"/>
-                  </a:schemeClr>
-                </a:solidFill>
-              </a:rPr>
-              <a:t>()</a:t>
-            </a:r>
-            <a:r>
-              <a:rPr lang="zh-CN" altLang="en-US" smtClean="0">
+              <a:t>onReceive()</a:t>
+            </a:r>
+            <a:r>
+              <a:rPr lang="zh-CN" altLang="en-US" dirty="0" smtClean="0">
                 <a:solidFill>
                   <a:schemeClr val="tx1">
                     <a:lumMod val="85000"/>
@@ -12341,18 +12169,7 @@
                   </a:schemeClr>
                 </a:solidFill>
               </a:rPr>
-              <a:t>动态</a:t>
-            </a:r>
-            <a:r>
-              <a:rPr lang="zh-CN" altLang="en-US" smtClean="0">
-                <a:solidFill>
-                  <a:schemeClr val="tx1">
-                    <a:lumMod val="85000"/>
-                    <a:lumOff val="15000"/>
-                  </a:schemeClr>
-                </a:solidFill>
-              </a:rPr>
-              <a:t>注册）。</a:t>
+              <a:t>动态注册）。</a:t>
             </a:r>
             <a:endParaRPr lang="en-US" altLang="zh-CN" dirty="0" smtClean="0">
               <a:solidFill>
@@ -12399,7 +12216,7 @@
               <a:t>相应</a:t>
             </a:r>
             <a:r>
-              <a:rPr lang="zh-CN" altLang="en-US" smtClean="0">
+              <a:rPr lang="zh-CN" altLang="en-US" dirty="0" smtClean="0">
                 <a:solidFill>
                   <a:schemeClr val="tx1">
                     <a:lumMod val="85000"/>
@@ -12410,7 +12227,7 @@
               <a:t>权限</a:t>
             </a:r>
             <a:r>
-              <a:rPr lang="en-US" altLang="zh-CN">
+              <a:rPr lang="en-US" altLang="zh-CN" dirty="0">
                 <a:solidFill>
                   <a:schemeClr val="tx1">
                     <a:lumMod val="85000"/>
@@ -12421,7 +12238,7 @@
               <a:t> </a:t>
             </a:r>
             <a:r>
-              <a:rPr lang="en-US" altLang="zh-CN" smtClean="0">
+              <a:rPr lang="en-US" altLang="zh-CN" dirty="0" smtClean="0">
                 <a:solidFill>
                   <a:schemeClr val="tx1">
                     <a:lumMod val="85000"/>
@@ -12432,7 +12249,7 @@
               <a:t>]</a:t>
             </a:r>
             <a:r>
-              <a:rPr lang="zh-CN" altLang="en-US" smtClean="0">
+              <a:rPr lang="zh-CN" altLang="en-US" dirty="0" smtClean="0">
                 <a:solidFill>
                   <a:schemeClr val="tx1">
                     <a:lumMod val="85000"/>
@@ -12509,7 +12326,7 @@
               <a:t>或</a:t>
             </a:r>
             <a:r>
-              <a:rPr lang="en-US" altLang="zh-CN" dirty="0" smtClean="0">
+              <a:rPr lang="en-US" altLang="zh-CN" dirty="0" err="1" smtClean="0">
                 <a:solidFill>
                   <a:schemeClr val="tx1">
                     <a:lumMod val="85000"/>
@@ -12517,10 +12334,10 @@
                   </a:schemeClr>
                 </a:solidFill>
               </a:rPr>
-              <a:t>sendOrderedBroadcastReceiver()</a:t>
-            </a:r>
-            <a:r>
-              <a:rPr lang="zh-CN" altLang="en-US" smtClean="0">
+              <a:t>sendOrderedBroadcast</a:t>
+            </a:r>
+            <a:r>
+              <a:rPr lang="en-US" altLang="zh-CN" dirty="0" smtClean="0">
                 <a:solidFill>
                   <a:schemeClr val="tx1">
                     <a:lumMod val="85000"/>
@@ -12528,10 +12345,10 @@
                   </a:schemeClr>
                 </a:solidFill>
               </a:rPr>
-              <a:t>启动</a:t>
-            </a:r>
-            <a:r>
-              <a:rPr lang="en-US" altLang="zh-CN" smtClean="0">
+              <a:t>()</a:t>
+            </a:r>
+            <a:r>
+              <a:rPr lang="zh-CN" altLang="en-US" dirty="0" smtClean="0">
                 <a:solidFill>
                   <a:schemeClr val="tx1">
                     <a:lumMod val="85000"/>
@@ -12539,10 +12356,21 @@
                   </a:schemeClr>
                 </a:solidFill>
               </a:rPr>
+              <a:t>启动</a:t>
+            </a:r>
+            <a:r>
+              <a:rPr lang="en-US" altLang="zh-CN" dirty="0" err="1" smtClean="0">
+                <a:solidFill>
+                  <a:schemeClr val="tx1">
+                    <a:lumMod val="85000"/>
+                    <a:lumOff val="15000"/>
+                  </a:schemeClr>
+                </a:solidFill>
+              </a:rPr>
               <a:t>BroadcastReceiver</a:t>
             </a:r>
             <a:r>
-              <a:rPr lang="zh-CN" altLang="en-US" smtClean="0">
+              <a:rPr lang="zh-CN" altLang="en-US" dirty="0" smtClean="0">
                 <a:solidFill>
                   <a:schemeClr val="tx1">
                     <a:lumMod val="85000"/>
@@ -14172,7 +14000,23 @@
                   <a:schemeClr val="tx1"/>
                 </a:solidFill>
               </a:rPr>
-              <a:t>MyAndroidReceiver</a:t>
+              <a:t>m</a:t>
+            </a:r>
+            <a:r>
+              <a:rPr lang="en-US" altLang="zh-CN" dirty="0" err="1" smtClean="0">
+                <a:solidFill>
+                  <a:schemeClr val="tx1"/>
+                </a:solidFill>
+              </a:rPr>
+              <a:t>yAndroidReceiver</a:t>
+            </a:r>
+            <a:r>
+              <a:rPr lang="en-US" altLang="zh-CN" dirty="0" smtClean="0">
+                <a:solidFill>
+                  <a:schemeClr val="tx1"/>
+                </a:solidFill>
+              </a:rPr>
+              <a:t> </a:t>
             </a:r>
             <a:r>
               <a:rPr lang="en-US" altLang="zh-CN" dirty="0">
@@ -14180,7 +14024,7 @@
                   <a:schemeClr val="tx1"/>
                 </a:solidFill>
               </a:rPr>
-              <a:t> = new </a:t>
+              <a:t>= new </a:t>
             </a:r>
             <a:r>
               <a:rPr lang="en-US" altLang="zh-CN" dirty="0" err="1">
@@ -14201,12 +14045,44 @@
           </a:p>
           <a:p>
             <a:r>
+              <a:rPr lang="en-US" altLang="zh-CN" dirty="0" err="1" smtClean="0">
+                <a:solidFill>
+                  <a:schemeClr val="tx1"/>
+                </a:solidFill>
+              </a:rPr>
+              <a:t>registerReceiver</a:t>
+            </a:r>
+            <a:r>
+              <a:rPr lang="en-US" altLang="zh-CN" dirty="0" smtClean="0">
+                <a:solidFill>
+                  <a:schemeClr val="tx1"/>
+                </a:solidFill>
+              </a:rPr>
+              <a:t>(</a:t>
+            </a:r>
+            <a:r>
               <a:rPr lang="en-US" altLang="zh-CN" dirty="0" err="1">
                 <a:solidFill>
                   <a:schemeClr val="tx1"/>
                 </a:solidFill>
               </a:rPr>
-              <a:t>registerReceiver</a:t>
+              <a:t>m</a:t>
+            </a:r>
+            <a:r>
+              <a:rPr lang="en-US" altLang="zh-CN" dirty="0" err="1" smtClean="0">
+                <a:solidFill>
+                  <a:schemeClr val="tx1"/>
+                </a:solidFill>
+              </a:rPr>
+              <a:t>yAndroidReceiver</a:t>
+            </a:r>
+            <a:r>
+              <a:rPr lang="en-US" altLang="zh-CN" dirty="0" smtClean="0">
+                <a:solidFill>
+                  <a:schemeClr val="tx1"/>
+                </a:solidFill>
+              </a:rPr>
+              <a:t> </a:t>
             </a:r>
             <a:r>
               <a:rPr lang="en-US" altLang="zh-CN" dirty="0">
@@ -14214,23 +14090,7 @@
                   <a:schemeClr val="tx1"/>
                 </a:solidFill>
               </a:rPr>
-              <a:t>(</a:t>
-            </a:r>
-            <a:r>
-              <a:rPr lang="en-US" altLang="zh-CN" dirty="0" err="1">
-                <a:solidFill>
-                  <a:schemeClr val="tx1"/>
-                </a:solidFill>
-              </a:rPr>
-              <a:t>MyAndroidReceiver</a:t>
-            </a:r>
-            <a:r>
-              <a:rPr lang="en-US" altLang="zh-CN" dirty="0">
-                <a:solidFill>
-                  <a:schemeClr val="tx1"/>
-                </a:solidFill>
-              </a:rPr>
-              <a:t> , filter);</a:t>
+              <a:t>, filter);</a:t>
             </a:r>
           </a:p>
           <a:p>
@@ -14447,13 +14307,29 @@
           <a:p>
             <a:r>
               <a:rPr lang="en-US" altLang="zh-CN" sz="1800" b="0" dirty="0"/>
-              <a:t>&lt;receiver Android:name=".MyAndroidReceiver"&gt;</a:t>
+              <a:t>&lt;receiver </a:t>
+            </a:r>
+            <a:r>
+              <a:rPr lang="en-US" altLang="zh-CN" sz="1800" b="0" dirty="0" err="1" smtClean="0"/>
+              <a:t>android:name</a:t>
+            </a:r>
+            <a:r>
+              <a:rPr lang="en-US" altLang="zh-CN" sz="1800" b="0" dirty="0"/>
+              <a:t>=".MyAndroidReceiver"&gt;</a:t>
             </a:r>
           </a:p>
           <a:p>
             <a:r>
               <a:rPr lang="en-US" altLang="zh-CN" sz="1800" b="0" dirty="0"/>
-              <a:t>   &lt;Intents-filter&gt;</a:t>
+              <a:t>   </a:t>
+            </a:r>
+            <a:r>
+              <a:rPr lang="en-US" altLang="zh-CN" sz="1800" b="0" dirty="0" smtClean="0"/>
+              <a:t>&lt;intent-filter</a:t>
+            </a:r>
+            <a:r>
+              <a:rPr lang="en-US" altLang="zh-CN" sz="1800" b="0" dirty="0"/>
+              <a:t>&gt;</a:t>
             </a:r>
           </a:p>
           <a:p>
@@ -14478,7 +14354,15 @@
           <a:p>
             <a:r>
               <a:rPr lang="en-US" altLang="zh-CN" sz="1800" b="0" dirty="0"/>
-              <a:t>    &lt;/Intents-filter&gt;</a:t>
+              <a:t>    </a:t>
+            </a:r>
+            <a:r>
+              <a:rPr lang="en-US" altLang="zh-CN" sz="1800" b="0" dirty="0" smtClean="0"/>
+              <a:t>&lt;/intent-filter</a:t>
+            </a:r>
+            <a:r>
+              <a:rPr lang="en-US" altLang="zh-CN" sz="1800" b="0" dirty="0"/>
+              <a:t>&gt;</a:t>
             </a:r>
           </a:p>
           <a:p>
@@ -15224,10 +15108,10 @@
                   </a:schemeClr>
                 </a:solidFill>
               </a:rPr>
-              <a:t>静态注册：常驻型，也就是当应用程序关闭后，仍然会接收广播消息，程序也会被系统调用运行。一旦安装应用就注册，不可</a:t>
-            </a:r>
-            <a:r>
-              <a:rPr lang="zh-CN" altLang="en-US">
+              <a:t>静态注册：常驻型，也就是当应用程序关闭后，仍然会接收广播消息，程序也会被系统调用运行。一旦安装应用就注册，不可注销</a:t>
+            </a:r>
+            <a:r>
+              <a:rPr lang="zh-CN" altLang="en-US" dirty="0" smtClean="0">
                 <a:solidFill>
                   <a:schemeClr val="tx1">
                     <a:lumMod val="85000"/>
@@ -15235,10 +15119,53 @@
                   </a:schemeClr>
                 </a:solidFill>
               </a:rPr>
-              <a:t>注销</a:t>
-            </a:r>
-            <a:r>
-              <a:rPr lang="zh-CN" altLang="en-US" smtClean="0">
+              <a:t>。</a:t>
+            </a:r>
+            <a:r>
+              <a:rPr lang="en-US" altLang="zh-CN" dirty="0" smtClean="0">
+                <a:solidFill>
+                  <a:srgbClr val="C00000"/>
+                </a:solidFill>
+              </a:rPr>
+              <a:t>(Android </a:t>
+            </a:r>
+            <a:r>
+              <a:rPr lang="en-US" altLang="zh-CN" dirty="0">
+                <a:solidFill>
+                  <a:srgbClr val="C00000"/>
+                </a:solidFill>
+              </a:rPr>
+              <a:t>API26 </a:t>
+            </a:r>
+            <a:r>
+              <a:rPr lang="zh-CN" altLang="en-US" dirty="0">
+                <a:solidFill>
+                  <a:srgbClr val="C00000"/>
+                </a:solidFill>
+              </a:rPr>
+              <a:t>取消大部分自定义的静态广播</a:t>
+            </a:r>
+            <a:r>
+              <a:rPr lang="zh-CN" altLang="en-US" dirty="0" smtClean="0">
+                <a:solidFill>
+                  <a:srgbClr val="C00000"/>
+                </a:solidFill>
+              </a:rPr>
+              <a:t>注册</a:t>
+            </a:r>
+            <a:r>
+              <a:rPr lang="en-US" altLang="zh-CN" dirty="0">
+                <a:solidFill>
+                  <a:srgbClr val="C00000"/>
+                </a:solidFill>
+              </a:rPr>
+              <a:t>)</a:t>
+            </a:r>
+          </a:p>
+          <a:p>
+            <a:pPr lvl="1"/>
+            <a:r>
+              <a:rPr lang="zh-CN" altLang="en-US" dirty="0">
                 <a:solidFill>
                   <a:schemeClr val="tx1">
                     <a:lumMod val="85000"/>
@@ -15246,80 +15173,10 @@
                   </a:schemeClr>
                 </a:solidFill>
               </a:rPr>
-              <a:t>。</a:t>
-            </a:r>
-            <a:r>
-              <a:rPr lang="en-US" altLang="zh-CN" smtClean="0">
-                <a:solidFill>
-                  <a:srgbClr val="C00000"/>
-                </a:solidFill>
-              </a:rPr>
-              <a:t>(Android </a:t>
-            </a:r>
-            <a:r>
-              <a:rPr lang="en-US" altLang="zh-CN">
-                <a:solidFill>
-                  <a:srgbClr val="C00000"/>
-                </a:solidFill>
-              </a:rPr>
-              <a:t>API26 </a:t>
-            </a:r>
-            <a:r>
-              <a:rPr lang="zh-CN" altLang="en-US">
-                <a:solidFill>
-                  <a:srgbClr val="C00000"/>
-                </a:solidFill>
-              </a:rPr>
-              <a:t>取消大部分自定义的静态广播</a:t>
-            </a:r>
-            <a:r>
-              <a:rPr lang="zh-CN" altLang="en-US" smtClean="0">
-                <a:solidFill>
-                  <a:srgbClr val="C00000"/>
-                </a:solidFill>
-              </a:rPr>
-              <a:t>注册</a:t>
-            </a:r>
-            <a:r>
-              <a:rPr lang="en-US" altLang="zh-CN">
-                <a:solidFill>
-                  <a:srgbClr val="C00000"/>
-                </a:solidFill>
-              </a:rPr>
-              <a:t>)</a:t>
-            </a:r>
-            <a:endParaRPr lang="en-US" altLang="zh-CN" dirty="0">
-              <a:solidFill>
-                <a:srgbClr val="C00000"/>
-              </a:solidFill>
-            </a:endParaRPr>
-          </a:p>
-          <a:p>
-            <a:pPr lvl="1"/>
-            <a:r>
-              <a:rPr lang="zh-CN" altLang="en-US" dirty="0">
-                <a:solidFill>
-                  <a:schemeClr val="tx1">
-                    <a:lumMod val="85000"/>
-                    <a:lumOff val="15000"/>
-                  </a:schemeClr>
-                </a:solidFill>
-              </a:rPr>
-              <a:t>动态注册：不是常驻型，可以手工注册，</a:t>
-            </a:r>
-            <a:r>
-              <a:rPr lang="zh-CN" altLang="en-US">
-                <a:solidFill>
-                  <a:schemeClr val="tx1">
-                    <a:lumMod val="85000"/>
-                    <a:lumOff val="15000"/>
-                  </a:schemeClr>
-                </a:solidFill>
-              </a:rPr>
-              <a:t>手工</a:t>
-            </a:r>
-            <a:r>
-              <a:rPr lang="zh-CN" altLang="en-US" smtClean="0">
+              <a:t>动态注册：不是常驻型，可以手工注册，手工</a:t>
+            </a:r>
+            <a:r>
+              <a:rPr lang="zh-CN" altLang="en-US" dirty="0" smtClean="0">
                 <a:solidFill>
                   <a:schemeClr val="tx1">
                     <a:lumMod val="85000"/>
@@ -15403,10 +15260,10 @@
                   </a:schemeClr>
                 </a:solidFill>
               </a:rPr>
-              <a:t>可</a:t>
-            </a:r>
-            <a:r>
-              <a:rPr lang="zh-CN" altLang="en-US">
+              <a:t>可使用</a:t>
+            </a:r>
+            <a:r>
+              <a:rPr lang="en-US" altLang="zh-CN" dirty="0" err="1" smtClean="0">
                 <a:solidFill>
                   <a:schemeClr val="tx1">
                     <a:lumMod val="85000"/>
@@ -15414,18 +15271,7 @@
                   </a:schemeClr>
                 </a:solidFill>
               </a:rPr>
-              <a:t>使用</a:t>
-            </a:r>
-            <a:r>
-              <a:rPr lang="en-US" altLang="zh-CN" smtClean="0">
-                <a:solidFill>
-                  <a:schemeClr val="tx1">
-                    <a:lumMod val="85000"/>
-                    <a:lumOff val="15000"/>
-                  </a:schemeClr>
-                </a:solidFill>
-              </a:rPr>
-              <a:t>abortBroadcxast</a:t>
+              <a:t>abortBroadcast</a:t>
             </a:r>
             <a:r>
               <a:rPr lang="en-US" altLang="zh-CN" dirty="0" smtClean="0">
@@ -15828,21 +15674,10 @@
                   </a:schemeClr>
                 </a:solidFill>
               </a:rPr>
-              <a:t>文件中要声明其应用程序的权限，例如：打电话需要有打电话的权限，发短信要有发短信的</a:t>
-            </a:r>
-            <a:r>
-              <a:rPr lang="zh-CN" altLang="en-US">
-                <a:solidFill>
-                  <a:schemeClr val="tx1">
-                    <a:lumMod val="85000"/>
-                    <a:lumOff val="15000"/>
-                  </a:schemeClr>
-                </a:solidFill>
-              </a:rPr>
-              <a:t>权限</a:t>
-            </a:r>
-            <a:r>
-              <a:rPr lang="zh-CN" altLang="en-US" smtClean="0">
+              <a:t>文件中要声明其应用程序的权限，例如：打电话需要有打电话的权限，发短信要有发短信的权限</a:t>
+            </a:r>
+            <a:r>
+              <a:rPr lang="zh-CN" altLang="en-US" dirty="0" smtClean="0">
                 <a:solidFill>
                   <a:schemeClr val="tx1">
                     <a:lumMod val="85000"/>
@@ -16362,246 +16197,448 @@
         <p:spPr>
           <a:xfrm>
             <a:off x="609600" y="1600201"/>
-            <a:ext cx="10972800" cy="4061047"/>
+            <a:ext cx="10972800" cy="4925143"/>
           </a:xfrm>
         </p:spPr>
         <p:txBody>
           <a:bodyPr>
-            <a:normAutofit/>
+            <a:noAutofit/>
           </a:bodyPr>
           <a:lstStyle/>
           <a:p>
             <a:r>
-              <a:rPr lang="en-US" altLang="zh-CN" sz="1800" dirty="0" err="1"/>
-              <a:t>android.permission.</a:t>
-            </a:r>
-            <a:r>
-              <a:rPr lang="en-US" altLang="zh-CN" sz="1800" b="1" dirty="0" err="1"/>
-              <a:t>ACCESS_FINE_LOCATION</a:t>
-            </a:r>
-            <a:r>
-              <a:rPr lang="zh-CN" altLang="en-US" sz="1800" dirty="0"/>
+              <a:rPr lang="en-US" altLang="zh-CN" sz="2000" dirty="0" err="1">
+                <a:solidFill>
+                  <a:schemeClr val="tx1">
+                    <a:lumMod val="85000"/>
+                    <a:lumOff val="15000"/>
+                  </a:schemeClr>
+                </a:solidFill>
+              </a:rPr>
+              <a:t>android.permission.ACCESS_FINE_LOCATION</a:t>
+            </a:r>
+            <a:r>
+              <a:rPr lang="zh-CN" altLang="en-US" sz="2000" dirty="0">
+                <a:solidFill>
+                  <a:schemeClr val="tx1">
+                    <a:lumMod val="85000"/>
+                    <a:lumOff val="15000"/>
+                  </a:schemeClr>
+                </a:solidFill>
+              </a:rPr>
               <a:t>允许一个程序访问精良位置</a:t>
             </a:r>
             <a:r>
-              <a:rPr lang="en-US" altLang="zh-CN" sz="1800" dirty="0"/>
+              <a:rPr lang="en-US" altLang="zh-CN" sz="2000" dirty="0">
+                <a:solidFill>
+                  <a:schemeClr val="tx1">
+                    <a:lumMod val="85000"/>
+                    <a:lumOff val="15000"/>
+                  </a:schemeClr>
+                </a:solidFill>
+              </a:rPr>
               <a:t>(</a:t>
             </a:r>
             <a:r>
-              <a:rPr lang="zh-CN" altLang="en-US" sz="1800" dirty="0"/>
+              <a:rPr lang="zh-CN" altLang="en-US" sz="2000" dirty="0">
+                <a:solidFill>
+                  <a:schemeClr val="tx1">
+                    <a:lumMod val="85000"/>
+                    <a:lumOff val="15000"/>
+                  </a:schemeClr>
+                </a:solidFill>
+              </a:rPr>
               <a:t>如</a:t>
             </a:r>
             <a:r>
-              <a:rPr lang="en-US" altLang="zh-CN" sz="1800" dirty="0"/>
+              <a:rPr lang="en-US" altLang="zh-CN" sz="2000" dirty="0">
+                <a:solidFill>
+                  <a:schemeClr val="tx1">
+                    <a:lumMod val="85000"/>
+                    <a:lumOff val="15000"/>
+                  </a:schemeClr>
+                </a:solidFill>
+              </a:rPr>
               <a:t>GPS)</a:t>
             </a:r>
           </a:p>
           <a:p>
             <a:r>
-              <a:rPr lang="en-US" altLang="zh-CN" sz="1800" dirty="0" err="1"/>
-              <a:t>android.permission.</a:t>
-            </a:r>
-            <a:r>
-              <a:rPr lang="en-US" altLang="zh-CN" sz="1800" b="1" dirty="0" err="1"/>
-              <a:t>ACCESS_WIFI_STATE</a:t>
-            </a:r>
-            <a:r>
-              <a:rPr lang="zh-CN" altLang="en-US" sz="1800" dirty="0"/>
+              <a:rPr lang="en-US" altLang="zh-CN" sz="2000" dirty="0" err="1">
+                <a:solidFill>
+                  <a:schemeClr val="tx1">
+                    <a:lumMod val="85000"/>
+                    <a:lumOff val="15000"/>
+                  </a:schemeClr>
+                </a:solidFill>
+              </a:rPr>
+              <a:t>android.permission.ACCESS_WIFI_STATE</a:t>
+            </a:r>
+            <a:r>
+              <a:rPr lang="zh-CN" altLang="en-US" sz="2000" dirty="0">
+                <a:solidFill>
+                  <a:schemeClr val="tx1">
+                    <a:lumMod val="85000"/>
+                    <a:lumOff val="15000"/>
+                  </a:schemeClr>
+                </a:solidFill>
+              </a:rPr>
               <a:t>允许程序访问</a:t>
             </a:r>
             <a:r>
-              <a:rPr lang="en-US" altLang="zh-CN" sz="1800" dirty="0"/>
+              <a:rPr lang="en-US" altLang="zh-CN" sz="2000" dirty="0">
+                <a:solidFill>
+                  <a:schemeClr val="tx1">
+                    <a:lumMod val="85000"/>
+                    <a:lumOff val="15000"/>
+                  </a:schemeClr>
+                </a:solidFill>
+              </a:rPr>
               <a:t>Wi-Fi</a:t>
             </a:r>
             <a:r>
-              <a:rPr lang="zh-CN" altLang="en-US" sz="1800" dirty="0"/>
+              <a:rPr lang="zh-CN" altLang="en-US" sz="2000" dirty="0">
+                <a:solidFill>
+                  <a:schemeClr val="tx1">
+                    <a:lumMod val="85000"/>
+                    <a:lumOff val="15000"/>
+                  </a:schemeClr>
+                </a:solidFill>
+              </a:rPr>
               <a:t>网络状态信息</a:t>
             </a:r>
-            <a:endParaRPr lang="en-US" altLang="zh-CN" sz="1800" dirty="0"/>
+            <a:endParaRPr lang="en-US" altLang="zh-CN" sz="2000" dirty="0">
+              <a:solidFill>
+                <a:schemeClr val="tx1">
+                  <a:lumMod val="85000"/>
+                  <a:lumOff val="15000"/>
+                </a:schemeClr>
+              </a:solidFill>
+            </a:endParaRPr>
           </a:p>
           <a:p>
             <a:r>
-              <a:rPr lang="en-US" altLang="zh-CN" sz="1800" dirty="0" err="1"/>
-              <a:t>android.permission.</a:t>
-            </a:r>
-            <a:r>
-              <a:rPr lang="en-US" altLang="zh-CN" sz="1800" b="1" dirty="0" err="1"/>
-              <a:t>BATTERY_STATS</a:t>
-            </a:r>
-            <a:r>
-              <a:rPr lang="zh-CN" altLang="en-US" sz="1800" dirty="0"/>
+              <a:rPr lang="en-US" altLang="zh-CN" sz="2000" dirty="0" err="1">
+                <a:solidFill>
+                  <a:schemeClr val="tx1">
+                    <a:lumMod val="85000"/>
+                    <a:lumOff val="15000"/>
+                  </a:schemeClr>
+                </a:solidFill>
+              </a:rPr>
+              <a:t>android.permission.BATTERY_STATS</a:t>
+            </a:r>
+            <a:r>
+              <a:rPr lang="zh-CN" altLang="en-US" sz="2000" dirty="0">
+                <a:solidFill>
+                  <a:schemeClr val="tx1">
+                    <a:lumMod val="85000"/>
+                    <a:lumOff val="15000"/>
+                  </a:schemeClr>
+                </a:solidFill>
+              </a:rPr>
               <a:t>允许程序更新手机电池统计信息</a:t>
             </a:r>
-            <a:endParaRPr lang="en-US" altLang="zh-CN" sz="1800" dirty="0"/>
+            <a:endParaRPr lang="en-US" altLang="zh-CN" sz="2000" dirty="0">
+              <a:solidFill>
+                <a:schemeClr val="tx1">
+                  <a:lumMod val="85000"/>
+                  <a:lumOff val="15000"/>
+                </a:schemeClr>
+              </a:solidFill>
+            </a:endParaRPr>
           </a:p>
           <a:p>
             <a:r>
-              <a:rPr lang="en-US" altLang="zh-CN" sz="1800" dirty="0" err="1"/>
-              <a:t>android.permission.</a:t>
-            </a:r>
-            <a:r>
-              <a:rPr lang="en-US" altLang="zh-CN" sz="1800" b="1" dirty="0" err="1"/>
-              <a:t>BLUETOOTH</a:t>
-            </a:r>
-            <a:r>
-              <a:rPr lang="zh-CN" altLang="en-US" sz="1800" dirty="0"/>
+              <a:rPr lang="en-US" altLang="zh-CN" sz="2000" dirty="0" err="1">
+                <a:solidFill>
+                  <a:schemeClr val="tx1">
+                    <a:lumMod val="85000"/>
+                    <a:lumOff val="15000"/>
+                  </a:schemeClr>
+                </a:solidFill>
+              </a:rPr>
+              <a:t>android.permission.BLUETOOTH</a:t>
+            </a:r>
+            <a:r>
+              <a:rPr lang="zh-CN" altLang="en-US" sz="2000" dirty="0">
+                <a:solidFill>
+                  <a:schemeClr val="tx1">
+                    <a:lumMod val="85000"/>
+                    <a:lumOff val="15000"/>
+                  </a:schemeClr>
+                </a:solidFill>
+              </a:rPr>
               <a:t>允许程序连接到已配对的蓝牙设备</a:t>
             </a:r>
-            <a:endParaRPr lang="en-US" altLang="zh-CN" sz="1800" dirty="0"/>
+            <a:endParaRPr lang="en-US" altLang="zh-CN" sz="2000" dirty="0">
+              <a:solidFill>
+                <a:schemeClr val="tx1">
+                  <a:lumMod val="85000"/>
+                  <a:lumOff val="15000"/>
+                </a:schemeClr>
+              </a:solidFill>
+            </a:endParaRPr>
           </a:p>
           <a:p>
             <a:r>
-              <a:rPr lang="en-US" altLang="zh-CN" sz="1800" dirty="0" err="1"/>
-              <a:t>android.permission.</a:t>
-            </a:r>
-            <a:r>
-              <a:rPr lang="en-US" altLang="zh-CN" sz="1800" b="1" dirty="0" err="1"/>
-              <a:t>CAMERA</a:t>
-            </a:r>
-            <a:r>
-              <a:rPr lang="zh-CN" altLang="en-US" sz="1800" dirty="0"/>
+              <a:rPr lang="en-US" altLang="zh-CN" sz="2000" dirty="0" err="1">
+                <a:solidFill>
+                  <a:schemeClr val="tx1">
+                    <a:lumMod val="85000"/>
+                    <a:lumOff val="15000"/>
+                  </a:schemeClr>
+                </a:solidFill>
+              </a:rPr>
+              <a:t>android.permission.CAMERA</a:t>
+            </a:r>
+            <a:r>
+              <a:rPr lang="zh-CN" altLang="en-US" sz="2000" dirty="0">
+                <a:solidFill>
+                  <a:schemeClr val="tx1">
+                    <a:lumMod val="85000"/>
+                    <a:lumOff val="15000"/>
+                  </a:schemeClr>
+                </a:solidFill>
+              </a:rPr>
               <a:t>请求访问使用照相设备</a:t>
             </a:r>
-            <a:endParaRPr lang="en-US" altLang="zh-CN" sz="1800" dirty="0"/>
+            <a:endParaRPr lang="en-US" altLang="zh-CN" sz="2000" dirty="0">
+              <a:solidFill>
+                <a:schemeClr val="tx1">
+                  <a:lumMod val="85000"/>
+                  <a:lumOff val="15000"/>
+                </a:schemeClr>
+              </a:solidFill>
+            </a:endParaRPr>
           </a:p>
           <a:p>
             <a:r>
-              <a:rPr lang="en-US" altLang="zh-CN" sz="1800" dirty="0" err="1"/>
-              <a:t>android.permission.</a:t>
-            </a:r>
-            <a:r>
-              <a:rPr lang="en-US" altLang="zh-CN" sz="1800" b="1" dirty="0" err="1"/>
-              <a:t>CHANGE_WIFI_STATE</a:t>
-            </a:r>
-            <a:r>
-              <a:rPr lang="zh-CN" altLang="en-US" sz="1800" dirty="0"/>
+              <a:rPr lang="en-US" altLang="zh-CN" sz="2000" dirty="0" err="1">
+                <a:solidFill>
+                  <a:schemeClr val="tx1">
+                    <a:lumMod val="85000"/>
+                    <a:lumOff val="15000"/>
+                  </a:schemeClr>
+                </a:solidFill>
+              </a:rPr>
+              <a:t>android.permission.CHANGE_WIFI_STATE</a:t>
+            </a:r>
+            <a:r>
+              <a:rPr lang="zh-CN" altLang="en-US" sz="2000" dirty="0">
+                <a:solidFill>
+                  <a:schemeClr val="tx1">
+                    <a:lumMod val="85000"/>
+                    <a:lumOff val="15000"/>
+                  </a:schemeClr>
+                </a:solidFill>
+              </a:rPr>
               <a:t>允许程序改变</a:t>
             </a:r>
             <a:r>
-              <a:rPr lang="en-US" altLang="zh-CN" sz="1800" dirty="0"/>
+              <a:rPr lang="en-US" altLang="zh-CN" sz="2000" dirty="0">
+                <a:solidFill>
+                  <a:schemeClr val="tx1">
+                    <a:lumMod val="85000"/>
+                    <a:lumOff val="15000"/>
+                  </a:schemeClr>
+                </a:solidFill>
+              </a:rPr>
               <a:t>Wi-Fi</a:t>
             </a:r>
             <a:r>
-              <a:rPr lang="zh-CN" altLang="en-US" sz="1800" dirty="0"/>
+              <a:rPr lang="zh-CN" altLang="en-US" sz="2000" dirty="0">
+                <a:solidFill>
+                  <a:schemeClr val="tx1">
+                    <a:lumMod val="85000"/>
+                    <a:lumOff val="15000"/>
+                  </a:schemeClr>
+                </a:solidFill>
+              </a:rPr>
               <a:t>连接状态</a:t>
             </a:r>
-            <a:endParaRPr lang="en-US" altLang="zh-CN" sz="1800" dirty="0"/>
+            <a:endParaRPr lang="en-US" altLang="zh-CN" sz="2000" dirty="0">
+              <a:solidFill>
+                <a:schemeClr val="tx1">
+                  <a:lumMod val="85000"/>
+                  <a:lumOff val="15000"/>
+                </a:schemeClr>
+              </a:solidFill>
+            </a:endParaRPr>
           </a:p>
           <a:p>
             <a:r>
-              <a:rPr lang="en-US" altLang="zh-CN" sz="1800" dirty="0" err="1"/>
-              <a:t>android.permission.</a:t>
-            </a:r>
-            <a:r>
-              <a:rPr lang="en-US" altLang="zh-CN" sz="1800" b="1" dirty="0" err="1"/>
-              <a:t>DEVICE_POWER</a:t>
-            </a:r>
-            <a:r>
-              <a:rPr lang="zh-CN" altLang="en-US" sz="1800" dirty="0"/>
+              <a:rPr lang="en-US" altLang="zh-CN" sz="2000" dirty="0" err="1">
+                <a:solidFill>
+                  <a:schemeClr val="tx1">
+                    <a:lumMod val="85000"/>
+                    <a:lumOff val="15000"/>
+                  </a:schemeClr>
+                </a:solidFill>
+              </a:rPr>
+              <a:t>android.permission.DEVICE_POWER</a:t>
+            </a:r>
+            <a:r>
+              <a:rPr lang="zh-CN" altLang="en-US" sz="2000" dirty="0">
+                <a:solidFill>
+                  <a:schemeClr val="tx1">
+                    <a:lumMod val="85000"/>
+                    <a:lumOff val="15000"/>
+                  </a:schemeClr>
+                </a:solidFill>
+              </a:rPr>
               <a:t>允许访问底层电源管理</a:t>
             </a:r>
-            <a:endParaRPr lang="en-US" altLang="zh-CN" sz="1800" dirty="0"/>
+            <a:endParaRPr lang="en-US" altLang="zh-CN" sz="2000" dirty="0">
+              <a:solidFill>
+                <a:schemeClr val="tx1">
+                  <a:lumMod val="85000"/>
+                  <a:lumOff val="15000"/>
+                </a:schemeClr>
+              </a:solidFill>
+            </a:endParaRPr>
           </a:p>
           <a:p>
             <a:r>
-              <a:rPr lang="en-US" altLang="zh-CN" sz="1800" dirty="0" err="1"/>
-              <a:t>android.permission.</a:t>
-            </a:r>
-            <a:r>
-              <a:rPr lang="en-US" altLang="zh-CN" sz="1800" b="1" dirty="0" err="1"/>
-              <a:t>INTERNET</a:t>
-            </a:r>
-            <a:r>
-              <a:rPr lang="zh-CN" altLang="en-US" sz="1800" dirty="0"/>
+              <a:rPr lang="en-US" altLang="zh-CN" sz="2000" dirty="0" err="1">
+                <a:solidFill>
+                  <a:schemeClr val="tx1">
+                    <a:lumMod val="85000"/>
+                    <a:lumOff val="15000"/>
+                  </a:schemeClr>
+                </a:solidFill>
+              </a:rPr>
+              <a:t>android.permission.INTERNET</a:t>
+            </a:r>
+            <a:r>
+              <a:rPr lang="zh-CN" altLang="en-US" sz="2000" dirty="0">
+                <a:solidFill>
+                  <a:schemeClr val="tx1">
+                    <a:lumMod val="85000"/>
+                    <a:lumOff val="15000"/>
+                  </a:schemeClr>
+                </a:solidFill>
+              </a:rPr>
               <a:t>允许程序打开网络套接字</a:t>
             </a:r>
             <a:r>
-              <a:rPr lang="en-US" altLang="zh-CN" sz="1800" dirty="0" err="1"/>
-              <a:t>android.permission.</a:t>
-            </a:r>
-            <a:r>
-              <a:rPr lang="en-US" altLang="zh-CN" sz="1800" b="1" dirty="0" err="1"/>
-              <a:t>MOUNT_UNMOUNT_FILESYSTEMS</a:t>
-            </a:r>
-            <a:r>
-              <a:rPr lang="zh-CN" altLang="en-US" sz="1800" dirty="0"/>
+              <a:rPr lang="en-US" altLang="zh-CN" sz="2000" dirty="0" err="1">
+                <a:solidFill>
+                  <a:schemeClr val="tx1">
+                    <a:lumMod val="85000"/>
+                    <a:lumOff val="15000"/>
+                  </a:schemeClr>
+                </a:solidFill>
+              </a:rPr>
+              <a:t>android.permission.MOUNT_UNMOUNT_FILESYSTEMS</a:t>
+            </a:r>
+            <a:r>
+              <a:rPr lang="zh-CN" altLang="en-US" sz="2000" dirty="0">
+                <a:solidFill>
+                  <a:schemeClr val="tx1">
+                    <a:lumMod val="85000"/>
+                    <a:lumOff val="15000"/>
+                  </a:schemeClr>
+                </a:solidFill>
+              </a:rPr>
               <a:t>允许挂载和反挂载文件系统可移动存储</a:t>
             </a:r>
-            <a:endParaRPr lang="en-US" altLang="zh-CN" sz="1800" dirty="0"/>
+            <a:endParaRPr lang="en-US" altLang="zh-CN" sz="2000" dirty="0">
+              <a:solidFill>
+                <a:schemeClr val="tx1">
+                  <a:lumMod val="85000"/>
+                  <a:lumOff val="15000"/>
+                </a:schemeClr>
+              </a:solidFill>
+            </a:endParaRPr>
           </a:p>
           <a:p>
             <a:r>
-              <a:rPr lang="en-US" altLang="zh-CN" sz="1800" dirty="0" err="1"/>
-              <a:t>android.permission.</a:t>
-            </a:r>
-            <a:r>
-              <a:rPr lang="en-US" altLang="zh-CN" sz="1800" b="1" dirty="0" err="1"/>
-              <a:t>READ_CONTACTS</a:t>
-            </a:r>
-            <a:r>
-              <a:rPr lang="zh-CN" altLang="en-US" sz="1800" dirty="0"/>
+              <a:rPr lang="en-US" altLang="zh-CN" sz="2000" dirty="0" err="1">
+                <a:solidFill>
+                  <a:schemeClr val="tx1">
+                    <a:lumMod val="85000"/>
+                    <a:lumOff val="15000"/>
+                  </a:schemeClr>
+                </a:solidFill>
+              </a:rPr>
+              <a:t>android.permission.READ_CONTACTS</a:t>
+            </a:r>
+            <a:r>
+              <a:rPr lang="zh-CN" altLang="en-US" sz="2000" dirty="0">
+                <a:solidFill>
+                  <a:schemeClr val="tx1">
+                    <a:lumMod val="85000"/>
+                    <a:lumOff val="15000"/>
+                  </a:schemeClr>
+                </a:solidFill>
+              </a:rPr>
               <a:t>允许程序读取用户联系人数据</a:t>
             </a:r>
-            <a:endParaRPr lang="en-US" altLang="zh-CN" sz="1800" dirty="0"/>
+            <a:endParaRPr lang="en-US" altLang="zh-CN" sz="2000" dirty="0">
+              <a:solidFill>
+                <a:schemeClr val="tx1">
+                  <a:lumMod val="85000"/>
+                  <a:lumOff val="15000"/>
+                </a:schemeClr>
+              </a:solidFill>
+            </a:endParaRPr>
           </a:p>
           <a:p>
             <a:r>
-              <a:rPr lang="en-US" altLang="zh-CN" sz="1800" dirty="0" err="1"/>
-              <a:t>android.permission.</a:t>
-            </a:r>
-            <a:r>
-              <a:rPr lang="en-US" altLang="zh-CN" sz="1800" b="1" dirty="0" err="1"/>
-              <a:t>READ_LOGS</a:t>
-            </a:r>
-            <a:r>
-              <a:rPr lang="zh-CN" altLang="en-US" sz="1800" dirty="0"/>
+              <a:rPr lang="en-US" altLang="zh-CN" sz="2000" dirty="0" err="1">
+                <a:solidFill>
+                  <a:schemeClr val="tx1">
+                    <a:lumMod val="85000"/>
+                    <a:lumOff val="15000"/>
+                  </a:schemeClr>
+                </a:solidFill>
+              </a:rPr>
+              <a:t>android.permission.READ_LOGS</a:t>
+            </a:r>
+            <a:r>
+              <a:rPr lang="zh-CN" altLang="en-US" sz="2000" dirty="0">
+                <a:solidFill>
+                  <a:schemeClr val="tx1">
+                    <a:lumMod val="85000"/>
+                    <a:lumOff val="15000"/>
+                  </a:schemeClr>
+                </a:solidFill>
+              </a:rPr>
               <a:t>允许程序读取底层系统日志文件</a:t>
             </a:r>
-            <a:endParaRPr lang="en-US" altLang="zh-CN" sz="1800" dirty="0"/>
+            <a:endParaRPr lang="en-US" altLang="zh-CN" sz="2000" dirty="0">
+              <a:solidFill>
+                <a:schemeClr val="tx1">
+                  <a:lumMod val="85000"/>
+                  <a:lumOff val="15000"/>
+                </a:schemeClr>
+              </a:solidFill>
+            </a:endParaRPr>
           </a:p>
           <a:p>
             <a:r>
-              <a:rPr lang="en-US" altLang="zh-CN" sz="1800" dirty="0" err="1"/>
-              <a:t>android.permission.</a:t>
-            </a:r>
-            <a:r>
-              <a:rPr lang="en-US" altLang="zh-CN" sz="1800" b="1" dirty="0" err="1"/>
-              <a:t>REBOOT</a:t>
-            </a:r>
-            <a:r>
-              <a:rPr lang="zh-CN" altLang="en-US" sz="1800" dirty="0"/>
+              <a:rPr lang="en-US" altLang="zh-CN" sz="2000" dirty="0" err="1">
+                <a:solidFill>
+                  <a:schemeClr val="tx1">
+                    <a:lumMod val="85000"/>
+                    <a:lumOff val="15000"/>
+                  </a:schemeClr>
+                </a:solidFill>
+              </a:rPr>
+              <a:t>android.permission.REBOOT</a:t>
+            </a:r>
+            <a:r>
+              <a:rPr lang="zh-CN" altLang="en-US" sz="2000" dirty="0">
+                <a:solidFill>
+                  <a:schemeClr val="tx1">
+                    <a:lumMod val="85000"/>
+                    <a:lumOff val="15000"/>
+                  </a:schemeClr>
+                </a:solidFill>
+              </a:rPr>
               <a:t>请求能够重新启动设备</a:t>
             </a:r>
-          </a:p>
-        </p:txBody>
-      </p:sp>
-      <p:sp>
-        <p:nvSpPr>
-          <p:cNvPr id="4" name="TextBox 3"/>
-          <p:cNvSpPr txBox="1"/>
-          <p:nvPr/>
-        </p:nvSpPr>
-        <p:spPr>
-          <a:xfrm>
-            <a:off x="2567608" y="5865867"/>
-            <a:ext cx="6876764" cy="400110"/>
-          </a:xfrm>
-          <a:prstGeom prst="rect">
-            <a:avLst/>
-          </a:prstGeom>
-          <a:noFill/>
-        </p:spPr>
-        <p:txBody>
-          <a:bodyPr wrap="square" rtlCol="0">
-            <a:spAutoFit/>
-          </a:bodyPr>
-          <a:lstStyle/>
-          <a:p>
-            <a:r>
-              <a:rPr lang="en-US" altLang="zh-CN" sz="2000" dirty="0"/>
-              <a:t>http://blog.csdn.net/fenghome/article/details/5708219</a:t>
-            </a:r>
-            <a:endParaRPr lang="zh-CN" altLang="en-US" sz="2000" dirty="0"/>
           </a:p>
         </p:txBody>
       </p:sp>
@@ -16693,7 +16730,7 @@
           <a:lstStyle/>
           <a:p>
             <a:r>
-              <a:rPr lang="zh-CN" altLang="en-US" dirty="0">
+              <a:rPr lang="zh-CN" altLang="en-US" dirty="0" smtClean="0">
                 <a:solidFill>
                   <a:schemeClr val="tx1">
                     <a:lumMod val="85000"/>
@@ -16701,10 +16738,10 @@
                   </a:schemeClr>
                 </a:solidFill>
               </a:rPr>
-              <a:t>接受电话广播</a:t>
-            </a:r>
-            <a:r>
-              <a:rPr lang="en-US" altLang="zh-CN" dirty="0">
+              <a:t>接收电话</a:t>
+            </a:r>
+            <a:r>
+              <a:rPr lang="zh-CN" altLang="en-US" dirty="0">
                 <a:solidFill>
                   <a:schemeClr val="tx1">
                     <a:lumMod val="85000"/>
@@ -16712,12 +16749,10 @@
                   </a:schemeClr>
                 </a:solidFill>
               </a:rPr>
-              <a:t>demo</a:t>
-            </a:r>
-          </a:p>
-          <a:p>
-            <a:r>
-              <a:rPr lang="zh-CN" altLang="en-US" dirty="0">
+              <a:t>广播</a:t>
+            </a:r>
+            <a:r>
+              <a:rPr lang="en-US" altLang="zh-CN" dirty="0">
                 <a:solidFill>
                   <a:schemeClr val="tx1">
                     <a:lumMod val="85000"/>
@@ -16725,7 +16760,31 @@
                   </a:schemeClr>
                 </a:solidFill>
               </a:rPr>
-              <a:t>接受短信广播</a:t>
+              <a:t>demo</a:t>
+            </a:r>
+          </a:p>
+          <a:p>
+            <a:r>
+              <a:rPr lang="zh-CN" altLang="en-US" dirty="0" smtClean="0">
+                <a:solidFill>
+                  <a:schemeClr val="tx1">
+                    <a:lumMod val="85000"/>
+                    <a:lumOff val="15000"/>
+                  </a:schemeClr>
+                </a:solidFill>
+              </a:rPr>
+              <a:t>接收短</a:t>
+            </a:r>
+            <a:r>
+              <a:rPr lang="zh-CN" altLang="en-US" dirty="0">
+                <a:solidFill>
+                  <a:schemeClr val="tx1">
+                    <a:lumMod val="85000"/>
+                    <a:lumOff val="15000"/>
+                  </a:schemeClr>
+                </a:solidFill>
+              </a:rPr>
+              <a:t>信广播</a:t>
             </a:r>
             <a:r>
               <a:rPr lang="en-US" altLang="zh-CN" dirty="0">
@@ -16932,7 +16991,7 @@
             <a:lstStyle/>
             <a:p>
               <a:r>
-                <a:rPr lang="zh-CN" altLang="en-US" sz="2400">
+                <a:rPr lang="zh-CN" altLang="en-US" sz="2400" dirty="0" smtClean="0">
                   <a:solidFill>
                     <a:schemeClr val="tx1">
                       <a:lumMod val="65000"/>
@@ -16942,8 +17001,18 @@
                   <a:latin typeface="微软雅黑" panose="020B0503020204020204" pitchFamily="34" charset="-122"/>
                   <a:ea typeface="微软雅黑" panose="020B0503020204020204" pitchFamily="34" charset="-122"/>
                 </a:rPr>
-                <a:t>接收系统广播</a:t>
+                <a:t>接收广播</a:t>
               </a:r>
+              <a:endParaRPr lang="zh-CN" altLang="en-US" sz="2400" dirty="0">
+                <a:solidFill>
+                  <a:schemeClr val="tx1">
+                    <a:lumMod val="65000"/>
+                    <a:lumOff val="35000"/>
+                  </a:schemeClr>
+                </a:solidFill>
+                <a:latin typeface="微软雅黑" panose="020B0503020204020204" pitchFamily="34" charset="-122"/>
+                <a:ea typeface="微软雅黑" panose="020B0503020204020204" pitchFamily="34" charset="-122"/>
+              </a:endParaRPr>
             </a:p>
           </p:txBody>
         </p:sp>
@@ -18720,11 +18789,23 @@
           <a:p>
             <a:r>
               <a:rPr lang="en-US" altLang="zh-CN" b="0" dirty="0"/>
-              <a:t>&lt;receiver android:name="</a:t>
+              <a:t>&lt;receiver </a:t>
+            </a:r>
+            <a:r>
+              <a:rPr lang="en-US" altLang="zh-CN" b="0" dirty="0" err="1"/>
+              <a:t>android:name</a:t>
+            </a:r>
+            <a:r>
+              <a:rPr lang="en-US" altLang="zh-CN" b="0" dirty="0" smtClean="0"/>
+              <a:t>="</a:t>
+            </a:r>
+            <a:r>
+              <a:rPr lang="zh-CN" altLang="en-US" b="0" dirty="0" smtClean="0"/>
+              <a:t>包</a:t>
             </a:r>
             <a:r>
               <a:rPr lang="zh-CN" altLang="en-US" b="0" dirty="0"/>
-              <a:t>包名</a:t>
+              <a:t>名</a:t>
             </a:r>
             <a:r>
               <a:rPr lang="en-US" altLang="zh-CN" b="0" dirty="0"/>
@@ -18732,11 +18813,23 @@
             </a:r>
             <a:r>
               <a:rPr lang="zh-CN" altLang="en-US" b="0" dirty="0"/>
-              <a:t>广播接收者文件</a:t>
+              <a:t>广播</a:t>
+            </a:r>
+            <a:r>
+              <a:rPr lang="zh-CN" altLang="en-US" b="0" dirty="0" smtClean="0"/>
+              <a:t>接收者</a:t>
+            </a:r>
+            <a:r>
+              <a:rPr lang="zh-CN" altLang="en-US" b="0" dirty="0"/>
+              <a:t>类名</a:t>
+            </a:r>
+            <a:r>
+              <a:rPr lang="en-US" altLang="zh-CN" b="0" dirty="0" smtClean="0"/>
+              <a:t>" </a:t>
             </a:r>
             <a:r>
               <a:rPr lang="en-US" altLang="zh-CN" b="0" dirty="0"/>
-              <a:t>" &gt;</a:t>
+              <a:t>&gt;</a:t>
             </a:r>
           </a:p>
           <a:p>
@@ -19031,269 +19124,6 @@
             <p:ph idx="1"/>
           </p:nvPr>
         </p:nvSpPr>
-        <p:spPr>
-          <a:xfrm>
-            <a:off x="839416" y="1600201"/>
-            <a:ext cx="10742984" cy="4525963"/>
-          </a:xfrm>
-        </p:spPr>
-        <p:txBody>
-          <a:bodyPr>
-            <a:normAutofit/>
-          </a:bodyPr>
-          <a:lstStyle/>
-          <a:p>
-            <a:r>
-              <a:rPr lang="zh-CN" altLang="en-US" sz="3200" dirty="0" smtClean="0">
-                <a:solidFill>
-                  <a:schemeClr val="tx1">
-                    <a:lumMod val="85000"/>
-                    <a:lumOff val="15000"/>
-                  </a:schemeClr>
-                </a:solidFill>
-              </a:rPr>
-              <a:t>粘性广播</a:t>
-            </a:r>
-            <a:endParaRPr lang="en-US" altLang="zh-CN" sz="3200" dirty="0" smtClean="0">
-              <a:solidFill>
-                <a:schemeClr val="tx1">
-                  <a:lumMod val="85000"/>
-                  <a:lumOff val="15000"/>
-                </a:schemeClr>
-              </a:solidFill>
-            </a:endParaRPr>
-          </a:p>
-          <a:p>
-            <a:pPr lvl="1"/>
-            <a:r>
-              <a:rPr lang="zh-CN" altLang="en-US" sz="2800" dirty="0">
-                <a:solidFill>
-                  <a:schemeClr val="tx1">
-                    <a:lumMod val="85000"/>
-                    <a:lumOff val="15000"/>
-                  </a:schemeClr>
-                </a:solidFill>
-              </a:rPr>
-              <a:t>粘性消息在发送后就一直存在于系统的消息容器里面，等待对应的处理器去</a:t>
-            </a:r>
-            <a:r>
-              <a:rPr lang="zh-CN" altLang="en-US" sz="2800" dirty="0" smtClean="0">
-                <a:solidFill>
-                  <a:schemeClr val="tx1">
-                    <a:lumMod val="85000"/>
-                    <a:lumOff val="15000"/>
-                  </a:schemeClr>
-                </a:solidFill>
-              </a:rPr>
-              <a:t>处理</a:t>
-            </a:r>
-            <a:endParaRPr lang="en-US" altLang="zh-CN" sz="2800" dirty="0" smtClean="0">
-              <a:solidFill>
-                <a:schemeClr val="tx1">
-                  <a:lumMod val="85000"/>
-                  <a:lumOff val="15000"/>
-                </a:schemeClr>
-              </a:solidFill>
-            </a:endParaRPr>
-          </a:p>
-          <a:p>
-            <a:pPr lvl="1"/>
-            <a:r>
-              <a:rPr lang="zh-CN" altLang="en-US" sz="2800" dirty="0">
-                <a:solidFill>
-                  <a:schemeClr val="tx1">
-                    <a:lumMod val="85000"/>
-                    <a:lumOff val="15000"/>
-                  </a:schemeClr>
-                </a:solidFill>
-              </a:rPr>
-              <a:t>一般用来确保重要的状态改变后的信息被持久保存</a:t>
-            </a:r>
-            <a:endParaRPr lang="en-US" altLang="zh-CN" sz="2800" dirty="0" smtClean="0">
-              <a:solidFill>
-                <a:schemeClr val="tx1">
-                  <a:lumMod val="85000"/>
-                  <a:lumOff val="15000"/>
-                </a:schemeClr>
-              </a:solidFill>
-            </a:endParaRPr>
-          </a:p>
-          <a:p>
-            <a:pPr lvl="1"/>
-            <a:r>
-              <a:rPr lang="zh-CN" altLang="en-US" sz="2800" dirty="0" smtClean="0">
-                <a:solidFill>
-                  <a:schemeClr val="tx1">
-                    <a:lumMod val="85000"/>
-                    <a:lumOff val="15000"/>
-                  </a:schemeClr>
-                </a:solidFill>
-              </a:rPr>
-              <a:t>需要权限：</a:t>
-            </a:r>
-            <a:r>
-              <a:rPr lang="en-US" altLang="zh-CN" sz="2800" dirty="0" smtClean="0">
-                <a:solidFill>
-                  <a:schemeClr val="tx1">
-                    <a:lumMod val="85000"/>
-                    <a:lumOff val="15000"/>
-                  </a:schemeClr>
-                </a:solidFill>
-              </a:rPr>
-              <a:t>android.Manifest.permission.BROADCAST_STICKY</a:t>
-            </a:r>
-          </a:p>
-          <a:p>
-            <a:pPr lvl="1"/>
-            <a:r>
-              <a:rPr lang="zh-CN" altLang="en-US" sz="2800" dirty="0" smtClean="0">
-                <a:solidFill>
-                  <a:schemeClr val="tx1">
-                    <a:lumMod val="85000"/>
-                    <a:lumOff val="15000"/>
-                  </a:schemeClr>
-                </a:solidFill>
-              </a:rPr>
-              <a:t>发送粘性广播：</a:t>
-            </a:r>
-            <a:r>
-              <a:rPr lang="en-US" altLang="zh-CN" sz="2800" dirty="0">
-                <a:solidFill>
-                  <a:schemeClr val="tx1">
-                    <a:lumMod val="85000"/>
-                    <a:lumOff val="15000"/>
-                  </a:schemeClr>
-                </a:solidFill>
-              </a:rPr>
-              <a:t>sendStickyBroadcast</a:t>
-            </a:r>
-            <a:r>
-              <a:rPr lang="en-US" altLang="zh-CN" sz="2800" dirty="0" smtClean="0">
-                <a:solidFill>
-                  <a:schemeClr val="tx1">
-                    <a:lumMod val="85000"/>
-                    <a:lumOff val="15000"/>
-                  </a:schemeClr>
-                </a:solidFill>
-              </a:rPr>
-              <a:t>()</a:t>
-            </a:r>
-          </a:p>
-          <a:p>
-            <a:pPr lvl="1"/>
-            <a:r>
-              <a:rPr lang="zh-CN" altLang="en-US" sz="2800" dirty="0" smtClean="0">
-                <a:solidFill>
-                  <a:schemeClr val="tx1">
-                    <a:lumMod val="85000"/>
-                    <a:lumOff val="15000"/>
-                  </a:schemeClr>
-                </a:solidFill>
-              </a:rPr>
-              <a:t>普通广播的一种，但不像普通广播有瞬时性（一般为</a:t>
-            </a:r>
-            <a:r>
-              <a:rPr lang="en-US" altLang="zh-CN" sz="2800" dirty="0" smtClean="0">
-                <a:solidFill>
-                  <a:schemeClr val="tx1">
-                    <a:lumMod val="85000"/>
-                    <a:lumOff val="15000"/>
-                  </a:schemeClr>
-                </a:solidFill>
-              </a:rPr>
-              <a:t>10m)</a:t>
-            </a:r>
-            <a:r>
-              <a:rPr lang="zh-CN" altLang="en-US" sz="2800" dirty="0" smtClean="0">
-                <a:solidFill>
-                  <a:schemeClr val="tx1">
-                    <a:lumMod val="85000"/>
-                    <a:lumOff val="15000"/>
-                  </a:schemeClr>
-                </a:solidFill>
-              </a:rPr>
-              <a:t>，没有时间限制</a:t>
-            </a:r>
-            <a:endParaRPr lang="zh-CN" altLang="en-US" sz="2800" dirty="0">
-              <a:solidFill>
-                <a:schemeClr val="tx1">
-                  <a:lumMod val="85000"/>
-                  <a:lumOff val="15000"/>
-                </a:schemeClr>
-              </a:solidFill>
-            </a:endParaRPr>
-          </a:p>
-        </p:txBody>
-      </p:sp>
-      <p:sp>
-        <p:nvSpPr>
-          <p:cNvPr id="4" name="标题 3"/>
-          <p:cNvSpPr>
-            <a:spLocks noGrp="1"/>
-          </p:cNvSpPr>
-          <p:nvPr>
-            <p:ph type="title"/>
-          </p:nvPr>
-        </p:nvSpPr>
-        <p:spPr/>
-        <p:txBody>
-          <a:bodyPr/>
-          <a:lstStyle/>
-          <a:p>
-            <a:r>
-              <a:rPr lang="zh-CN" altLang="en-US"/>
-              <a:t>发送广播（扩展）</a:t>
-            </a:r>
-          </a:p>
-        </p:txBody>
-      </p:sp>
-    </p:spTree>
-    <p:extLst>
-      <p:ext uri="{BB962C8B-B14F-4D97-AF65-F5344CB8AC3E}">
-        <p14:creationId xmlns:p14="http://schemas.microsoft.com/office/powerpoint/2010/main" val="2776425697"/>
-      </p:ext>
-    </p:extLst>
-  </p:cSld>
-  <p:clrMapOvr>
-    <a:masterClrMapping/>
-  </p:clrMapOvr>
-  <p:timing>
-    <p:tnLst>
-      <p:par>
-        <p:cTn id="1" dur="indefinite" restart="never" nodeType="tmRoot"/>
-      </p:par>
-    </p:tnLst>
-  </p:timing>
-</p:sld>
-</file>
-
-<file path=ppt/slides/slide27.xml><?xml version="1.0" encoding="utf-8"?>
-<p:sld xmlns:a="http://schemas.openxmlformats.org/drawingml/2006/main" xmlns:r="http://schemas.openxmlformats.org/officeDocument/2006/relationships" xmlns:p="http://schemas.openxmlformats.org/presentationml/2006/main">
-  <p:cSld>
-    <p:spTree>
-      <p:nvGrpSpPr>
-        <p:cNvPr id="1" name=""/>
-        <p:cNvGrpSpPr/>
-        <p:nvPr/>
-      </p:nvGrpSpPr>
-      <p:grpSpPr>
-        <a:xfrm>
-          <a:off x="0" y="0"/>
-          <a:ext cx="0" cy="0"/>
-          <a:chOff x="0" y="0"/>
-          <a:chExt cx="0" cy="0"/>
-        </a:xfrm>
-      </p:grpSpPr>
-      <p:sp>
-        <p:nvSpPr>
-          <p:cNvPr id="3" name="内容占位符 2"/>
-          <p:cNvSpPr>
-            <a:spLocks noGrp="1"/>
-          </p:cNvSpPr>
-          <p:nvPr>
-            <p:ph idx="1"/>
-          </p:nvPr>
-        </p:nvSpPr>
         <p:spPr/>
         <p:txBody>
           <a:bodyPr>
@@ -19412,7 +19242,7 @@
 </p:sld>
 </file>
 
-<file path=ppt/slides/slide28.xml><?xml version="1.0" encoding="utf-8"?>
+<file path=ppt/slides/slide27.xml><?xml version="1.0" encoding="utf-8"?>
 <p:sld xmlns:a="http://schemas.openxmlformats.org/drawingml/2006/main" xmlns:r="http://schemas.openxmlformats.org/officeDocument/2006/relationships" xmlns:p="http://schemas.openxmlformats.org/presentationml/2006/main">
   <p:cSld>
     <p:spTree>
@@ -20576,7 +20406,7 @@
 </p:sld>
 </file>
 
-<file path=ppt/slides/slide29.xml><?xml version="1.0" encoding="utf-8"?>
+<file path=ppt/slides/slide28.xml><?xml version="1.0" encoding="utf-8"?>
 <p:sld xmlns:a="http://schemas.openxmlformats.org/drawingml/2006/main" xmlns:r="http://schemas.openxmlformats.org/officeDocument/2006/relationships" xmlns:p="http://schemas.openxmlformats.org/presentationml/2006/main">
   <p:cSld>
     <p:spTree>
@@ -21134,7 +20964,7 @@
             <a:lstStyle/>
             <a:p>
               <a:r>
-                <a:rPr lang="zh-CN" altLang="en-US" sz="2400">
+                <a:rPr lang="zh-CN" altLang="en-US" sz="2400" dirty="0" smtClean="0">
                   <a:solidFill>
                     <a:schemeClr val="tx1">
                       <a:lumMod val="65000"/>
@@ -21144,8 +20974,18 @@
                   <a:latin typeface="微软雅黑" panose="020B0503020204020204" pitchFamily="34" charset="-122"/>
                   <a:ea typeface="微软雅黑" panose="020B0503020204020204" pitchFamily="34" charset="-122"/>
                 </a:rPr>
-                <a:t>接受系统广播</a:t>
+                <a:t>接收广播</a:t>
               </a:r>
+              <a:endParaRPr lang="zh-CN" altLang="en-US" sz="2400" dirty="0">
+                <a:solidFill>
+                  <a:schemeClr val="tx1">
+                    <a:lumMod val="65000"/>
+                    <a:lumOff val="35000"/>
+                  </a:schemeClr>
+                </a:solidFill>
+                <a:latin typeface="微软雅黑" panose="020B0503020204020204" pitchFamily="34" charset="-122"/>
+                <a:ea typeface="微软雅黑" panose="020B0503020204020204" pitchFamily="34" charset="-122"/>
+              </a:endParaRPr>
             </a:p>
           </p:txBody>
         </p:sp>
@@ -23579,11 +23419,11 @@
           <a:lstStyle/>
           <a:p>
             <a:r>
-              <a:rPr lang="en-US" altLang="zh-CN"/>
+              <a:rPr lang="en-US" altLang="zh-CN" dirty="0"/>
               <a:t>Android</a:t>
             </a:r>
             <a:r>
-              <a:rPr lang="zh-CN" altLang="en-US"/>
+              <a:rPr lang="zh-CN" altLang="en-US" dirty="0"/>
               <a:t>广播机制原理图</a:t>
             </a:r>
           </a:p>
@@ -24422,7 +24262,7 @@
             <a:lstStyle/>
             <a:p>
               <a:r>
-                <a:rPr lang="zh-CN" altLang="en-US" sz="2400" b="1">
+                <a:rPr lang="zh-CN" altLang="en-US" sz="2400" b="1" dirty="0" smtClean="0">
                   <a:solidFill>
                     <a:schemeClr val="tx1">
                       <a:lumMod val="75000"/>
@@ -24432,8 +24272,18 @@
                   <a:latin typeface="微软雅黑" panose="020B0503020204020204" pitchFamily="34" charset="-122"/>
                   <a:ea typeface="微软雅黑" panose="020B0503020204020204" pitchFamily="34" charset="-122"/>
                 </a:rPr>
-                <a:t>接收系统广播</a:t>
+                <a:t>接收广播</a:t>
               </a:r>
+              <a:endParaRPr lang="zh-CN" altLang="en-US" sz="2400" b="1" dirty="0">
+                <a:solidFill>
+                  <a:schemeClr val="tx1">
+                    <a:lumMod val="75000"/>
+                    <a:lumOff val="25000"/>
+                  </a:schemeClr>
+                </a:solidFill>
+                <a:latin typeface="微软雅黑" panose="020B0503020204020204" pitchFamily="34" charset="-122"/>
+                <a:ea typeface="微软雅黑" panose="020B0503020204020204" pitchFamily="34" charset="-122"/>
+              </a:endParaRPr>
             </a:p>
           </p:txBody>
         </p:sp>
